--- a/Диаграмма Исикавы - Создание поставок обновлений.pptx
+++ b/Диаграмма Исикавы - Создание поставок обновлений.pptx
@@ -3076,7 +3076,6 @@
               <a:rPr lang="ru-RU" dirty="0"/>
               <a:t>поставок обновлений</a:t>
             </a:r>
-            <a:endParaRPr lang="ru-RU" dirty="0"/>
           </a:p>
         </p:txBody>
       </p:sp>
@@ -3222,7 +3221,6 @@
               <a:rPr lang="ru-RU" sz="1400" dirty="0"/>
               <a:t>Подготовить файл начальной поставки</a:t>
             </a:r>
-            <a:endParaRPr lang="ru-RU" sz="1400" dirty="0"/>
           </a:p>
         </p:txBody>
       </p:sp>
@@ -3266,7 +3264,6 @@
               <a:rPr lang="ru-RU" sz="1400" dirty="0"/>
               <a:t>Подготовить файл обновления</a:t>
             </a:r>
-            <a:endParaRPr lang="ru-RU" sz="1400" dirty="0"/>
           </a:p>
         </p:txBody>
       </p:sp>
@@ -3310,7 +3307,6 @@
               <a:rPr lang="ru-RU" sz="1400" dirty="0"/>
               <a:t>Подготовить базу пользователя</a:t>
             </a:r>
-            <a:endParaRPr lang="ru-RU" sz="1400" dirty="0"/>
           </a:p>
         </p:txBody>
       </p:sp>
@@ -3354,7 +3350,6 @@
               <a:rPr lang="ru-RU" sz="1400" dirty="0"/>
               <a:t>Присвоить очередную версию</a:t>
             </a:r>
-            <a:endParaRPr lang="ru-RU" sz="1400" dirty="0"/>
           </a:p>
         </p:txBody>
       </p:sp>
@@ -3770,7 +3765,6 @@
               <a:rPr lang="ru-RU" sz="1600" dirty="0"/>
               <a:t>Подготовить файл обновления</a:t>
             </a:r>
-            <a:endParaRPr lang="ru-RU" sz="1600" dirty="0"/>
           </a:p>
         </p:txBody>
       </p:sp>
@@ -3927,7 +3921,6 @@
               <a:rPr lang="ru-RU" sz="1600" dirty="0"/>
               <a:t>Подготовить базу пользователя</a:t>
             </a:r>
-            <a:endParaRPr lang="ru-RU" sz="1600" dirty="0"/>
           </a:p>
         </p:txBody>
       </p:sp>
@@ -3939,7 +3932,7 @@
         </p:nvSpPr>
         <p:spPr>
           <a:xfrm>
-            <a:off x="7009535" y="5570380"/>
+            <a:off x="7277270" y="4928708"/>
             <a:ext cx="1367838" cy="461665"/>
           </a:xfrm>
           <a:prstGeom prst="rect">
@@ -3968,7 +3961,7 @@
           <a:p>
             <a:r>
               <a:rPr lang="ru-RU" sz="1200" dirty="0" smtClean="0"/>
-              <a:t>Поставить базу на поддержку</a:t>
+              <a:t>База на поддержке?</a:t>
             </a:r>
             <a:endParaRPr lang="ru-RU" sz="1200" dirty="0"/>
           </a:p>
@@ -3982,7 +3975,7 @@
         </p:nvCxnSpPr>
         <p:spPr>
           <a:xfrm flipH="1" flipV="1">
-            <a:off x="5631793" y="5763411"/>
+            <a:off x="5899528" y="5121739"/>
             <a:ext cx="1237252" cy="16748"/>
           </a:xfrm>
           <a:prstGeom prst="straightConnector1">
@@ -4091,7 +4084,11 @@
             </a:r>
             <a:r>
               <a:rPr lang="ru-RU" sz="1200" dirty="0" smtClean="0"/>
-              <a:t>поставщика в среде сборки обновлений</a:t>
+              <a:t>поставщика в среде сборки </a:t>
+            </a:r>
+            <a:r>
+              <a:rPr lang="ru-RU" sz="1200" dirty="0" smtClean="0"/>
+              <a:t>обновлений</a:t>
             </a:r>
             <a:endParaRPr lang="ru-RU" sz="1200" dirty="0"/>
           </a:p>
@@ -4137,7 +4134,6 @@
               <a:rPr lang="ru-RU" sz="1600" dirty="0"/>
               <a:t>Подготовить файл начальной поставки</a:t>
             </a:r>
-            <a:endParaRPr lang="ru-RU" sz="1600" dirty="0"/>
           </a:p>
         </p:txBody>
       </p:sp>
@@ -4249,7 +4245,6 @@
               <a:rPr lang="ru-RU" sz="1600" dirty="0"/>
               <a:t>Присвоить очередную версию</a:t>
             </a:r>
-            <a:endParaRPr lang="ru-RU" sz="1600" dirty="0"/>
           </a:p>
         </p:txBody>
       </p:sp>
@@ -4535,70 +4530,6 @@
       </p:cxnSp>
       <p:sp>
         <p:nvSpPr>
-          <p:cNvPr id="51" name="Прямоугольник 50"/>
-          <p:cNvSpPr/>
-          <p:nvPr/>
-        </p:nvSpPr>
-        <p:spPr>
-          <a:xfrm>
-            <a:off x="6601309" y="5125392"/>
-            <a:ext cx="1809278" cy="276999"/>
-          </a:xfrm>
-          <a:prstGeom prst="rect">
-            <a:avLst/>
-          </a:prstGeom>
-        </p:spPr>
-        <p:txBody>
-          <a:bodyPr wrap="none">
-            <a:spAutoFit/>
-          </a:bodyPr>
-          <a:lstStyle/>
-          <a:p>
-            <a:r>
-              <a:rPr lang="ru-RU" sz="1200" dirty="0" smtClean="0"/>
-              <a:t>Кто текущий поставщик?</a:t>
-            </a:r>
-            <a:endParaRPr lang="ru-RU" sz="1200" dirty="0"/>
-          </a:p>
-        </p:txBody>
-      </p:sp>
-      <p:cxnSp>
-        <p:nvCxnSpPr>
-          <p:cNvPr id="55" name="Прямая со стрелкой 54"/>
-          <p:cNvCxnSpPr>
-            <a:stCxn id="51" idx="2"/>
-          </p:cNvCxnSpPr>
-          <p:nvPr/>
-        </p:nvCxnSpPr>
-        <p:spPr>
-          <a:xfrm flipH="1">
-            <a:off x="6229707" y="5402391"/>
-            <a:ext cx="1276241" cy="343555"/>
-          </a:xfrm>
-          <a:prstGeom prst="straightConnector1">
-            <a:avLst/>
-          </a:prstGeom>
-          <a:ln>
-            <a:tailEnd type="arrow"/>
-          </a:ln>
-        </p:spPr>
-        <p:style>
-          <a:lnRef idx="1">
-            <a:schemeClr val="accent1"/>
-          </a:lnRef>
-          <a:fillRef idx="0">
-            <a:schemeClr val="accent1"/>
-          </a:fillRef>
-          <a:effectRef idx="0">
-            <a:schemeClr val="accent1"/>
-          </a:effectRef>
-          <a:fontRef idx="minor">
-            <a:schemeClr val="tx1"/>
-          </a:fontRef>
-        </p:style>
-      </p:cxnSp>
-      <p:sp>
-        <p:nvSpPr>
           <p:cNvPr id="90" name="Прямоугольник 89"/>
           <p:cNvSpPr/>
           <p:nvPr/>
@@ -4909,6 +4840,70 @@
           <a:xfrm flipH="1" flipV="1">
             <a:off x="3220073" y="4305065"/>
             <a:ext cx="374658" cy="105460"/>
+          </a:xfrm>
+          <a:prstGeom prst="straightConnector1">
+            <a:avLst/>
+          </a:prstGeom>
+          <a:ln>
+            <a:tailEnd type="arrow"/>
+          </a:ln>
+        </p:spPr>
+        <p:style>
+          <a:lnRef idx="1">
+            <a:schemeClr val="accent1"/>
+          </a:lnRef>
+          <a:fillRef idx="0">
+            <a:schemeClr val="accent1"/>
+          </a:fillRef>
+          <a:effectRef idx="0">
+            <a:schemeClr val="accent1"/>
+          </a:effectRef>
+          <a:fontRef idx="minor">
+            <a:schemeClr val="tx1"/>
+          </a:fontRef>
+        </p:style>
+      </p:cxnSp>
+      <p:sp>
+        <p:nvSpPr>
+          <p:cNvPr id="43" name="Прямоугольник 42"/>
+          <p:cNvSpPr/>
+          <p:nvPr/>
+        </p:nvSpPr>
+        <p:spPr>
+          <a:xfrm>
+            <a:off x="6518154" y="5554535"/>
+            <a:ext cx="2136547" cy="276999"/>
+          </a:xfrm>
+          <a:prstGeom prst="rect">
+            <a:avLst/>
+          </a:prstGeom>
+        </p:spPr>
+        <p:txBody>
+          <a:bodyPr wrap="none">
+            <a:spAutoFit/>
+          </a:bodyPr>
+          <a:lstStyle/>
+          <a:p>
+            <a:r>
+              <a:rPr lang="ru-RU" sz="1200" dirty="0"/>
+              <a:t>Поставить базу на поддержку</a:t>
+            </a:r>
+            <a:endParaRPr lang="ru-RU" sz="1200" dirty="0"/>
+          </a:p>
+        </p:txBody>
+      </p:sp>
+      <p:cxnSp>
+        <p:nvCxnSpPr>
+          <p:cNvPr id="44" name="Прямая со стрелкой 43"/>
+          <p:cNvCxnSpPr>
+            <a:stCxn id="43" idx="0"/>
+          </p:cNvCxnSpPr>
+          <p:nvPr/>
+        </p:nvCxnSpPr>
+        <p:spPr>
+          <a:xfrm flipH="1" flipV="1">
+            <a:off x="6649843" y="5256675"/>
+            <a:ext cx="936585" cy="297860"/>
           </a:xfrm>
           <a:prstGeom prst="straightConnector1">
             <a:avLst/>
